--- a/Project_Idea (3).pptx
+++ b/Project_Idea (3).pptx
@@ -116,9 +116,118 @@
 <file path=ppt/revisionInfo.xml><?xml version="1.0" encoding="utf-8"?>
 <p1510:revInfo xmlns:a="http://schemas.openxmlformats.org/drawingml/2006/main" xmlns:r="http://schemas.openxmlformats.org/officeDocument/2006/relationships" xmlns:p1510="http://schemas.microsoft.com/office/powerpoint/2015/10/main">
   <p1510:revLst>
-    <p1510:client id="{FFA8188F-B942-4A08-96FC-3BE27C79695F}" v="4" dt="2025-05-01T11:23:25.495"/>
+    <p1510:client id="{4A74E627-3B62-4FB3-9BA2-CF80F2A83A43}" v="4" dt="2025-05-22T09:59:09.053"/>
   </p1510:revLst>
 </p1510:revInfo>
+</file>
+
+<file path=ppt/changesInfos/changesInfo1.xml><?xml version="1.0" encoding="utf-8"?>
+<pc:chgInfo xmlns:a="http://schemas.openxmlformats.org/drawingml/2006/main" xmlns:r="http://schemas.openxmlformats.org/officeDocument/2006/relationships" xmlns:ac="http://schemas.microsoft.com/office/drawing/2013/main/command" xmlns:pc="http://schemas.microsoft.com/office/powerpoint/2013/main/command">
+  <pc:docChgLst>
+    <pc:chgData name="Kristian Bitsch Ebbensgaard" userId="db474494-81e8-4465-9809-a1d335558f45" providerId="ADAL" clId="{4A74E627-3B62-4FB3-9BA2-CF80F2A83A43}"/>
+    <pc:docChg chg="custSel modSld">
+      <pc:chgData name="Kristian Bitsch Ebbensgaard" userId="db474494-81e8-4465-9809-a1d335558f45" providerId="ADAL" clId="{4A74E627-3B62-4FB3-9BA2-CF80F2A83A43}" dt="2025-05-22T09:59:13.809" v="146" actId="14100"/>
+      <pc:docMkLst>
+        <pc:docMk/>
+      </pc:docMkLst>
+      <pc:sldChg chg="addSp delSp modSp mod">
+        <pc:chgData name="Kristian Bitsch Ebbensgaard" userId="db474494-81e8-4465-9809-a1d335558f45" providerId="ADAL" clId="{4A74E627-3B62-4FB3-9BA2-CF80F2A83A43}" dt="2025-05-22T09:59:13.809" v="146" actId="14100"/>
+        <pc:sldMkLst>
+          <pc:docMk/>
+          <pc:sldMk cId="1804535035" sldId="257"/>
+        </pc:sldMkLst>
+        <pc:spChg chg="add mod">
+          <ac:chgData name="Kristian Bitsch Ebbensgaard" userId="db474494-81e8-4465-9809-a1d335558f45" providerId="ADAL" clId="{4A74E627-3B62-4FB3-9BA2-CF80F2A83A43}" dt="2025-05-22T09:26:25.390" v="75" actId="20577"/>
+          <ac:spMkLst>
+            <pc:docMk/>
+            <pc:sldMk cId="1804535035" sldId="257"/>
+            <ac:spMk id="14" creationId="{2B4A1878-B412-C54E-084C-1BFF46848137}"/>
+          </ac:spMkLst>
+        </pc:spChg>
+        <pc:spChg chg="add mod">
+          <ac:chgData name="Kristian Bitsch Ebbensgaard" userId="db474494-81e8-4465-9809-a1d335558f45" providerId="ADAL" clId="{4A74E627-3B62-4FB3-9BA2-CF80F2A83A43}" dt="2025-05-22T09:26:33.632" v="87" actId="20577"/>
+          <ac:spMkLst>
+            <pc:docMk/>
+            <pc:sldMk cId="1804535035" sldId="257"/>
+            <ac:spMk id="20" creationId="{CC98E242-BC92-E22B-7E86-1582CF23E9A5}"/>
+          </ac:spMkLst>
+        </pc:spChg>
+        <pc:spChg chg="add mod">
+          <ac:chgData name="Kristian Bitsch Ebbensgaard" userId="db474494-81e8-4465-9809-a1d335558f45" providerId="ADAL" clId="{4A74E627-3B62-4FB3-9BA2-CF80F2A83A43}" dt="2025-05-22T09:26:38.960" v="99" actId="20577"/>
+          <ac:spMkLst>
+            <pc:docMk/>
+            <pc:sldMk cId="1804535035" sldId="257"/>
+            <ac:spMk id="22" creationId="{509E1E4E-B24B-93E9-EFA7-1E8305D718C5}"/>
+          </ac:spMkLst>
+        </pc:spChg>
+        <pc:spChg chg="add del mod">
+          <ac:chgData name="Kristian Bitsch Ebbensgaard" userId="db474494-81e8-4465-9809-a1d335558f45" providerId="ADAL" clId="{4A74E627-3B62-4FB3-9BA2-CF80F2A83A43}" dt="2025-05-22T09:25:03.697" v="28" actId="478"/>
+          <ac:spMkLst>
+            <pc:docMk/>
+            <pc:sldMk cId="1804535035" sldId="257"/>
+            <ac:spMk id="26" creationId="{D0F398B5-FBD5-4520-1CCD-DC79E11F473E}"/>
+          </ac:spMkLst>
+        </pc:spChg>
+        <pc:spChg chg="add mod">
+          <ac:chgData name="Kristian Bitsch Ebbensgaard" userId="db474494-81e8-4465-9809-a1d335558f45" providerId="ADAL" clId="{4A74E627-3B62-4FB3-9BA2-CF80F2A83A43}" dt="2025-05-22T09:54:40.230" v="143" actId="115"/>
+          <ac:spMkLst>
+            <pc:docMk/>
+            <pc:sldMk cId="1804535035" sldId="257"/>
+            <ac:spMk id="33" creationId="{DD1A2294-BFE8-B9B5-A67F-39B0D9B7D375}"/>
+          </ac:spMkLst>
+        </pc:spChg>
+        <pc:cxnChg chg="add del mod">
+          <ac:chgData name="Kristian Bitsch Ebbensgaard" userId="db474494-81e8-4465-9809-a1d335558f45" providerId="ADAL" clId="{4A74E627-3B62-4FB3-9BA2-CF80F2A83A43}" dt="2025-05-22T09:26:03.192" v="55" actId="478"/>
+          <ac:cxnSpMkLst>
+            <pc:docMk/>
+            <pc:sldMk cId="1804535035" sldId="257"/>
+            <ac:cxnSpMk id="16" creationId="{BB9DF6B9-4164-1E77-3BF1-C772A2A4F9E2}"/>
+          </ac:cxnSpMkLst>
+        </pc:cxnChg>
+        <pc:cxnChg chg="add del mod">
+          <ac:chgData name="Kristian Bitsch Ebbensgaard" userId="db474494-81e8-4465-9809-a1d335558f45" providerId="ADAL" clId="{4A74E627-3B62-4FB3-9BA2-CF80F2A83A43}" dt="2025-05-22T09:25:05.969" v="29" actId="478"/>
+          <ac:cxnSpMkLst>
+            <pc:docMk/>
+            <pc:sldMk cId="1804535035" sldId="257"/>
+            <ac:cxnSpMk id="27" creationId="{097A8FE7-979F-CF13-4B17-8A7C5B5E9FA8}"/>
+          </ac:cxnSpMkLst>
+        </pc:cxnChg>
+        <pc:cxnChg chg="add mod">
+          <ac:chgData name="Kristian Bitsch Ebbensgaard" userId="db474494-81e8-4465-9809-a1d335558f45" providerId="ADAL" clId="{4A74E627-3B62-4FB3-9BA2-CF80F2A83A43}" dt="2025-05-22T09:24:34.464" v="1" actId="1076"/>
+          <ac:cxnSpMkLst>
+            <pc:docMk/>
+            <pc:sldMk cId="1804535035" sldId="257"/>
+            <ac:cxnSpMk id="28" creationId="{AFFEDAC1-E296-E107-FBA4-BD5AC0A0CF76}"/>
+          </ac:cxnSpMkLst>
+        </pc:cxnChg>
+        <pc:cxnChg chg="add mod">
+          <ac:chgData name="Kristian Bitsch Ebbensgaard" userId="db474494-81e8-4465-9809-a1d335558f45" providerId="ADAL" clId="{4A74E627-3B62-4FB3-9BA2-CF80F2A83A43}" dt="2025-05-22T09:24:34.464" v="1" actId="1076"/>
+          <ac:cxnSpMkLst>
+            <pc:docMk/>
+            <pc:sldMk cId="1804535035" sldId="257"/>
+            <ac:cxnSpMk id="29" creationId="{ECC5599C-83E6-D3AF-5AE0-25559F16C1FA}"/>
+          </ac:cxnSpMkLst>
+        </pc:cxnChg>
+        <pc:cxnChg chg="add mod">
+          <ac:chgData name="Kristian Bitsch Ebbensgaard" userId="db474494-81e8-4465-9809-a1d335558f45" providerId="ADAL" clId="{4A74E627-3B62-4FB3-9BA2-CF80F2A83A43}" dt="2025-05-22T09:26:50.770" v="103" actId="14100"/>
+          <ac:cxnSpMkLst>
+            <pc:docMk/>
+            <pc:sldMk cId="1804535035" sldId="257"/>
+            <ac:cxnSpMk id="30" creationId="{9167E446-8BC7-3967-AAFF-057C6BEF9F5B}"/>
+          </ac:cxnSpMkLst>
+        </pc:cxnChg>
+        <pc:cxnChg chg="add mod">
+          <ac:chgData name="Kristian Bitsch Ebbensgaard" userId="db474494-81e8-4465-9809-a1d335558f45" providerId="ADAL" clId="{4A74E627-3B62-4FB3-9BA2-CF80F2A83A43}" dt="2025-05-22T09:59:13.809" v="146" actId="14100"/>
+          <ac:cxnSpMkLst>
+            <pc:docMk/>
+            <pc:sldMk cId="1804535035" sldId="257"/>
+            <ac:cxnSpMk id="34" creationId="{D3B5844F-662C-7448-6491-F13ED110B3ED}"/>
+          </ac:cxnSpMkLst>
+        </pc:cxnChg>
+      </pc:sldChg>
+    </pc:docChg>
+  </pc:docChgLst>
+</pc:chgInfo>
 </file>
 
 <file path=ppt/slideLayouts/slideLayout1.xml><?xml version="1.0" encoding="utf-8"?>
@@ -270,7 +379,7 @@
           <a:p>
             <a:fld id="{F309DC6E-A2C7-499C-AE0C-185FA2954680}" type="datetimeFigureOut">
               <a:rPr lang="en-DK" smtClean="0"/>
-              <a:t>01/05/2025</a:t>
+              <a:t>22/05/2025</a:t>
             </a:fld>
             <a:endParaRPr lang="en-DK"/>
           </a:p>
@@ -470,7 +579,7 @@
           <a:p>
             <a:fld id="{F309DC6E-A2C7-499C-AE0C-185FA2954680}" type="datetimeFigureOut">
               <a:rPr lang="en-DK" smtClean="0"/>
-              <a:t>01/05/2025</a:t>
+              <a:t>22/05/2025</a:t>
             </a:fld>
             <a:endParaRPr lang="en-DK"/>
           </a:p>
@@ -680,7 +789,7 @@
           <a:p>
             <a:fld id="{F309DC6E-A2C7-499C-AE0C-185FA2954680}" type="datetimeFigureOut">
               <a:rPr lang="en-DK" smtClean="0"/>
-              <a:t>01/05/2025</a:t>
+              <a:t>22/05/2025</a:t>
             </a:fld>
             <a:endParaRPr lang="en-DK"/>
           </a:p>
@@ -880,7 +989,7 @@
           <a:p>
             <a:fld id="{F309DC6E-A2C7-499C-AE0C-185FA2954680}" type="datetimeFigureOut">
               <a:rPr lang="en-DK" smtClean="0"/>
-              <a:t>01/05/2025</a:t>
+              <a:t>22/05/2025</a:t>
             </a:fld>
             <a:endParaRPr lang="en-DK"/>
           </a:p>
@@ -1156,7 +1265,7 @@
           <a:p>
             <a:fld id="{F309DC6E-A2C7-499C-AE0C-185FA2954680}" type="datetimeFigureOut">
               <a:rPr lang="en-DK" smtClean="0"/>
-              <a:t>01/05/2025</a:t>
+              <a:t>22/05/2025</a:t>
             </a:fld>
             <a:endParaRPr lang="en-DK"/>
           </a:p>
@@ -1424,7 +1533,7 @@
           <a:p>
             <a:fld id="{F309DC6E-A2C7-499C-AE0C-185FA2954680}" type="datetimeFigureOut">
               <a:rPr lang="en-DK" smtClean="0"/>
-              <a:t>01/05/2025</a:t>
+              <a:t>22/05/2025</a:t>
             </a:fld>
             <a:endParaRPr lang="en-DK"/>
           </a:p>
@@ -1839,7 +1948,7 @@
           <a:p>
             <a:fld id="{F309DC6E-A2C7-499C-AE0C-185FA2954680}" type="datetimeFigureOut">
               <a:rPr lang="en-DK" smtClean="0"/>
-              <a:t>01/05/2025</a:t>
+              <a:t>22/05/2025</a:t>
             </a:fld>
             <a:endParaRPr lang="en-DK"/>
           </a:p>
@@ -1981,7 +2090,7 @@
           <a:p>
             <a:fld id="{F309DC6E-A2C7-499C-AE0C-185FA2954680}" type="datetimeFigureOut">
               <a:rPr lang="en-DK" smtClean="0"/>
-              <a:t>01/05/2025</a:t>
+              <a:t>22/05/2025</a:t>
             </a:fld>
             <a:endParaRPr lang="en-DK"/>
           </a:p>
@@ -2094,7 +2203,7 @@
           <a:p>
             <a:fld id="{F309DC6E-A2C7-499C-AE0C-185FA2954680}" type="datetimeFigureOut">
               <a:rPr lang="en-DK" smtClean="0"/>
-              <a:t>01/05/2025</a:t>
+              <a:t>22/05/2025</a:t>
             </a:fld>
             <a:endParaRPr lang="en-DK"/>
           </a:p>
@@ -2407,7 +2516,7 @@
           <a:p>
             <a:fld id="{F309DC6E-A2C7-499C-AE0C-185FA2954680}" type="datetimeFigureOut">
               <a:rPr lang="en-DK" smtClean="0"/>
-              <a:t>01/05/2025</a:t>
+              <a:t>22/05/2025</a:t>
             </a:fld>
             <a:endParaRPr lang="en-DK"/>
           </a:p>
@@ -2696,7 +2805,7 @@
           <a:p>
             <a:fld id="{F309DC6E-A2C7-499C-AE0C-185FA2954680}" type="datetimeFigureOut">
               <a:rPr lang="en-DK" smtClean="0"/>
-              <a:t>01/05/2025</a:t>
+              <a:t>22/05/2025</a:t>
             </a:fld>
             <a:endParaRPr lang="en-DK"/>
           </a:p>
@@ -2939,7 +3048,7 @@
           <a:p>
             <a:fld id="{F309DC6E-A2C7-499C-AE0C-185FA2954680}" type="datetimeFigureOut">
               <a:rPr lang="en-DK" smtClean="0"/>
-              <a:t>01/05/2025</a:t>
+              <a:t>22/05/2025</a:t>
             </a:fld>
             <a:endParaRPr lang="en-DK"/>
           </a:p>
@@ -6619,6 +6728,421 @@
           <a:xfrm>
             <a:off x="8125368" y="3979351"/>
             <a:ext cx="0" cy="169066"/>
+          </a:xfrm>
+          <a:prstGeom prst="line">
+            <a:avLst/>
+          </a:prstGeom>
+          <a:ln w="9525">
+            <a:solidFill>
+              <a:schemeClr val="tx1"/>
+            </a:solidFill>
+          </a:ln>
+        </p:spPr>
+        <p:style>
+          <a:lnRef idx="2">
+            <a:schemeClr val="accent1"/>
+          </a:lnRef>
+          <a:fillRef idx="0">
+            <a:schemeClr val="accent1"/>
+          </a:fillRef>
+          <a:effectRef idx="1">
+            <a:schemeClr val="accent1"/>
+          </a:effectRef>
+          <a:fontRef idx="minor">
+            <a:schemeClr val="tx1"/>
+          </a:fontRef>
+        </p:style>
+      </p:cxnSp>
+      <p:sp>
+        <p:nvSpPr>
+          <p:cNvPr id="14" name="Rectangle 13">
+            <a:extLst>
+              <a:ext uri="{FF2B5EF4-FFF2-40B4-BE49-F238E27FC236}">
+                <a16:creationId xmlns:a16="http://schemas.microsoft.com/office/drawing/2014/main" id="{2B4A1878-B412-C54E-084C-1BFF46848137}"/>
+              </a:ext>
+            </a:extLst>
+          </p:cNvPr>
+          <p:cNvSpPr/>
+          <p:nvPr/>
+        </p:nvSpPr>
+        <p:spPr>
+          <a:xfrm>
+            <a:off x="9049592" y="3703685"/>
+            <a:ext cx="2391896" cy="275665"/>
+          </a:xfrm>
+          <a:prstGeom prst="rect">
+            <a:avLst/>
+          </a:prstGeom>
+          <a:solidFill>
+            <a:schemeClr val="bg1"/>
+          </a:solidFill>
+          <a:ln w="9525"/>
+        </p:spPr>
+        <p:style>
+          <a:lnRef idx="2">
+            <a:schemeClr val="accent1">
+              <a:shade val="15000"/>
+            </a:schemeClr>
+          </a:lnRef>
+          <a:fillRef idx="1">
+            <a:schemeClr val="accent1"/>
+          </a:fillRef>
+          <a:effectRef idx="0">
+            <a:schemeClr val="accent1"/>
+          </a:effectRef>
+          <a:fontRef idx="minor">
+            <a:schemeClr val="lt1"/>
+          </a:fontRef>
+        </p:style>
+        <p:txBody>
+          <a:bodyPr rtlCol="0" anchor="ctr"/>
+          <a:lstStyle/>
+          <a:p>
+            <a:pPr algn="ctr"/>
+            <a:r>
+              <a:rPr lang="en-US" sz="800" dirty="0" err="1">
+                <a:solidFill>
+                  <a:sysClr val="windowText" lastClr="000000"/>
+                </a:solidFill>
+              </a:rPr>
+              <a:t>CaseStepType</a:t>
+            </a:r>
+            <a:endParaRPr lang="en-DK" sz="800" dirty="0">
+              <a:solidFill>
+                <a:sysClr val="windowText" lastClr="000000"/>
+              </a:solidFill>
+            </a:endParaRPr>
+          </a:p>
+        </p:txBody>
+      </p:sp>
+      <p:sp>
+        <p:nvSpPr>
+          <p:cNvPr id="20" name="Oval 19">
+            <a:extLst>
+              <a:ext uri="{FF2B5EF4-FFF2-40B4-BE49-F238E27FC236}">
+                <a16:creationId xmlns:a16="http://schemas.microsoft.com/office/drawing/2014/main" id="{CC98E242-BC92-E22B-7E86-1582CF23E9A5}"/>
+              </a:ext>
+            </a:extLst>
+          </p:cNvPr>
+          <p:cNvSpPr/>
+          <p:nvPr/>
+        </p:nvSpPr>
+        <p:spPr>
+          <a:xfrm>
+            <a:off x="8948730" y="3275312"/>
+            <a:ext cx="1190065" cy="275665"/>
+          </a:xfrm>
+          <a:prstGeom prst="ellipse">
+            <a:avLst/>
+          </a:prstGeom>
+          <a:solidFill>
+            <a:schemeClr val="bg1"/>
+          </a:solidFill>
+          <a:ln w="9525"/>
+        </p:spPr>
+        <p:style>
+          <a:lnRef idx="2">
+            <a:schemeClr val="accent1">
+              <a:shade val="15000"/>
+            </a:schemeClr>
+          </a:lnRef>
+          <a:fillRef idx="1">
+            <a:schemeClr val="accent1"/>
+          </a:fillRef>
+          <a:effectRef idx="0">
+            <a:schemeClr val="accent1"/>
+          </a:effectRef>
+          <a:fontRef idx="minor">
+            <a:schemeClr val="lt1"/>
+          </a:fontRef>
+        </p:style>
+        <p:txBody>
+          <a:bodyPr rtlCol="0" anchor="ctr"/>
+          <a:lstStyle/>
+          <a:p>
+            <a:pPr algn="ctr"/>
+            <a:r>
+              <a:rPr lang="en-US" sz="800" dirty="0" err="1">
+                <a:solidFill>
+                  <a:schemeClr val="tx1"/>
+                </a:solidFill>
+              </a:rPr>
+              <a:t>CaseStepType_ID</a:t>
+            </a:r>
+            <a:endParaRPr lang="en-DK" sz="800" dirty="0">
+              <a:solidFill>
+                <a:schemeClr val="tx1"/>
+              </a:solidFill>
+            </a:endParaRPr>
+          </a:p>
+        </p:txBody>
+      </p:sp>
+      <p:sp>
+        <p:nvSpPr>
+          <p:cNvPr id="22" name="Oval 21">
+            <a:extLst>
+              <a:ext uri="{FF2B5EF4-FFF2-40B4-BE49-F238E27FC236}">
+                <a16:creationId xmlns:a16="http://schemas.microsoft.com/office/drawing/2014/main" id="{509E1E4E-B24B-93E9-EFA7-1E8305D718C5}"/>
+              </a:ext>
+            </a:extLst>
+          </p:cNvPr>
+          <p:cNvSpPr/>
+          <p:nvPr/>
+        </p:nvSpPr>
+        <p:spPr>
+          <a:xfrm>
+            <a:off x="10344983" y="3280914"/>
+            <a:ext cx="1190065" cy="275665"/>
+          </a:xfrm>
+          <a:prstGeom prst="ellipse">
+            <a:avLst/>
+          </a:prstGeom>
+          <a:solidFill>
+            <a:schemeClr val="bg1"/>
+          </a:solidFill>
+          <a:ln w="9525"/>
+        </p:spPr>
+        <p:style>
+          <a:lnRef idx="2">
+            <a:schemeClr val="accent1">
+              <a:shade val="15000"/>
+            </a:schemeClr>
+          </a:lnRef>
+          <a:fillRef idx="1">
+            <a:schemeClr val="accent1"/>
+          </a:fillRef>
+          <a:effectRef idx="0">
+            <a:schemeClr val="accent1"/>
+          </a:effectRef>
+          <a:fontRef idx="minor">
+            <a:schemeClr val="lt1"/>
+          </a:fontRef>
+        </p:style>
+        <p:txBody>
+          <a:bodyPr rtlCol="0" anchor="ctr"/>
+          <a:lstStyle/>
+          <a:p>
+            <a:pPr algn="ctr"/>
+            <a:r>
+              <a:rPr lang="en-US" sz="800" dirty="0" err="1">
+                <a:solidFill>
+                  <a:schemeClr val="tx1"/>
+                </a:solidFill>
+              </a:rPr>
+              <a:t>CaseStepType_type</a:t>
+            </a:r>
+            <a:endParaRPr lang="en-DK" sz="800" dirty="0">
+              <a:solidFill>
+                <a:schemeClr val="tx1"/>
+              </a:solidFill>
+            </a:endParaRPr>
+          </a:p>
+        </p:txBody>
+      </p:sp>
+      <p:cxnSp>
+        <p:nvCxnSpPr>
+          <p:cNvPr id="28" name="Straight Connector 27">
+            <a:extLst>
+              <a:ext uri="{FF2B5EF4-FFF2-40B4-BE49-F238E27FC236}">
+                <a16:creationId xmlns:a16="http://schemas.microsoft.com/office/drawing/2014/main" id="{AFFEDAC1-E296-E107-FBA4-BD5AC0A0CF76}"/>
+              </a:ext>
+            </a:extLst>
+          </p:cNvPr>
+          <p:cNvCxnSpPr>
+            <a:cxnSpLocks/>
+            <a:stCxn id="20" idx="4"/>
+          </p:cNvCxnSpPr>
+          <p:nvPr/>
+        </p:nvCxnSpPr>
+        <p:spPr>
+          <a:xfrm>
+            <a:off x="9543763" y="3550977"/>
+            <a:ext cx="0" cy="149879"/>
+          </a:xfrm>
+          <a:prstGeom prst="line">
+            <a:avLst/>
+          </a:prstGeom>
+          <a:ln w="9525"/>
+        </p:spPr>
+        <p:style>
+          <a:lnRef idx="2">
+            <a:schemeClr val="accent1"/>
+          </a:lnRef>
+          <a:fillRef idx="0">
+            <a:schemeClr val="accent1"/>
+          </a:fillRef>
+          <a:effectRef idx="1">
+            <a:schemeClr val="accent1"/>
+          </a:effectRef>
+          <a:fontRef idx="minor">
+            <a:schemeClr val="tx1"/>
+          </a:fontRef>
+        </p:style>
+      </p:cxnSp>
+      <p:cxnSp>
+        <p:nvCxnSpPr>
+          <p:cNvPr id="29" name="Straight Connector 28">
+            <a:extLst>
+              <a:ext uri="{FF2B5EF4-FFF2-40B4-BE49-F238E27FC236}">
+                <a16:creationId xmlns:a16="http://schemas.microsoft.com/office/drawing/2014/main" id="{ECC5599C-83E6-D3AF-5AE0-25559F16C1FA}"/>
+              </a:ext>
+            </a:extLst>
+          </p:cNvPr>
+          <p:cNvCxnSpPr>
+            <a:cxnSpLocks/>
+          </p:cNvCxnSpPr>
+          <p:nvPr/>
+        </p:nvCxnSpPr>
+        <p:spPr>
+          <a:xfrm>
+            <a:off x="10940015" y="3550977"/>
+            <a:ext cx="0" cy="149879"/>
+          </a:xfrm>
+          <a:prstGeom prst="line">
+            <a:avLst/>
+          </a:prstGeom>
+          <a:ln w="9525"/>
+        </p:spPr>
+        <p:style>
+          <a:lnRef idx="2">
+            <a:schemeClr val="accent1"/>
+          </a:lnRef>
+          <a:fillRef idx="0">
+            <a:schemeClr val="accent1"/>
+          </a:fillRef>
+          <a:effectRef idx="1">
+            <a:schemeClr val="accent1"/>
+          </a:effectRef>
+          <a:fontRef idx="minor">
+            <a:schemeClr val="tx1"/>
+          </a:fontRef>
+        </p:style>
+      </p:cxnSp>
+      <p:cxnSp>
+        <p:nvCxnSpPr>
+          <p:cNvPr id="30" name="Straight Connector 29">
+            <a:extLst>
+              <a:ext uri="{FF2B5EF4-FFF2-40B4-BE49-F238E27FC236}">
+                <a16:creationId xmlns:a16="http://schemas.microsoft.com/office/drawing/2014/main" id="{9167E446-8BC7-3967-AAFF-057C6BEF9F5B}"/>
+              </a:ext>
+            </a:extLst>
+          </p:cNvPr>
+          <p:cNvCxnSpPr>
+            <a:cxnSpLocks/>
+            <a:stCxn id="36" idx="3"/>
+            <a:endCxn id="14" idx="1"/>
+          </p:cNvCxnSpPr>
+          <p:nvPr/>
+        </p:nvCxnSpPr>
+        <p:spPr>
+          <a:xfrm flipV="1">
+            <a:off x="8684561" y="3841518"/>
+            <a:ext cx="365031" cy="1"/>
+          </a:xfrm>
+          <a:prstGeom prst="line">
+            <a:avLst/>
+          </a:prstGeom>
+          <a:ln w="9525">
+            <a:solidFill>
+              <a:schemeClr val="tx1"/>
+            </a:solidFill>
+          </a:ln>
+        </p:spPr>
+        <p:style>
+          <a:lnRef idx="2">
+            <a:schemeClr val="accent1"/>
+          </a:lnRef>
+          <a:fillRef idx="0">
+            <a:schemeClr val="accent1"/>
+          </a:fillRef>
+          <a:effectRef idx="1">
+            <a:schemeClr val="accent1"/>
+          </a:effectRef>
+          <a:fontRef idx="minor">
+            <a:schemeClr val="tx1"/>
+          </a:fontRef>
+        </p:style>
+      </p:cxnSp>
+      <p:sp>
+        <p:nvSpPr>
+          <p:cNvPr id="33" name="Oval 32">
+            <a:extLst>
+              <a:ext uri="{FF2B5EF4-FFF2-40B4-BE49-F238E27FC236}">
+                <a16:creationId xmlns:a16="http://schemas.microsoft.com/office/drawing/2014/main" id="{DD1A2294-BFE8-B9B5-A67F-39B0D9B7D375}"/>
+              </a:ext>
+            </a:extLst>
+          </p:cNvPr>
+          <p:cNvSpPr/>
+          <p:nvPr/>
+        </p:nvSpPr>
+        <p:spPr>
+          <a:xfrm>
+            <a:off x="7682735" y="3265917"/>
+            <a:ext cx="1190065" cy="275665"/>
+          </a:xfrm>
+          <a:prstGeom prst="ellipse">
+            <a:avLst/>
+          </a:prstGeom>
+          <a:solidFill>
+            <a:schemeClr val="bg1"/>
+          </a:solidFill>
+          <a:ln w="9525"/>
+        </p:spPr>
+        <p:style>
+          <a:lnRef idx="2">
+            <a:schemeClr val="accent1">
+              <a:shade val="15000"/>
+            </a:schemeClr>
+          </a:lnRef>
+          <a:fillRef idx="1">
+            <a:schemeClr val="accent1"/>
+          </a:fillRef>
+          <a:effectRef idx="0">
+            <a:schemeClr val="accent1"/>
+          </a:effectRef>
+          <a:fontRef idx="minor">
+            <a:schemeClr val="lt1"/>
+          </a:fontRef>
+        </p:style>
+        <p:txBody>
+          <a:bodyPr lIns="36000" rIns="36000" rtlCol="0" anchor="ctr"/>
+          <a:lstStyle/>
+          <a:p>
+            <a:pPr algn="ctr"/>
+            <a:r>
+              <a:rPr lang="en-US" sz="800" dirty="0" err="1">
+                <a:solidFill>
+                  <a:schemeClr val="tx1"/>
+                </a:solidFill>
+              </a:rPr>
+              <a:t>Case_ID</a:t>
+            </a:r>
+            <a:endParaRPr lang="en-DK" sz="800" dirty="0">
+              <a:solidFill>
+                <a:schemeClr val="tx1"/>
+              </a:solidFill>
+            </a:endParaRPr>
+          </a:p>
+        </p:txBody>
+      </p:sp>
+      <p:cxnSp>
+        <p:nvCxnSpPr>
+          <p:cNvPr id="34" name="Straight Connector 33">
+            <a:extLst>
+              <a:ext uri="{FF2B5EF4-FFF2-40B4-BE49-F238E27FC236}">
+                <a16:creationId xmlns:a16="http://schemas.microsoft.com/office/drawing/2014/main" id="{D3B5844F-662C-7448-6491-F13ED110B3ED}"/>
+              </a:ext>
+            </a:extLst>
+          </p:cNvPr>
+          <p:cNvCxnSpPr>
+            <a:cxnSpLocks/>
+          </p:cNvCxnSpPr>
+          <p:nvPr/>
+        </p:nvCxnSpPr>
+        <p:spPr>
+          <a:xfrm>
+            <a:off x="8310572" y="3534620"/>
+            <a:ext cx="0" cy="162342"/>
           </a:xfrm>
           <a:prstGeom prst="line">
             <a:avLst/>
